--- a/경우의 수 임용고시 2019.pptx
+++ b/경우의 수 임용고시 2019.pptx
@@ -8,12 +8,12 @@
     <p:sldId id="256" r:id="rId2"/>
     <p:sldId id="259" r:id="rId3"/>
     <p:sldId id="257" r:id="rId4"/>
-    <p:sldId id="285" r:id="rId5"/>
-    <p:sldId id="286" r:id="rId6"/>
-    <p:sldId id="287" r:id="rId7"/>
-    <p:sldId id="288" r:id="rId8"/>
-    <p:sldId id="289" r:id="rId9"/>
-    <p:sldId id="296" r:id="rId10"/>
+    <p:sldId id="296" r:id="rId5"/>
+    <p:sldId id="297" r:id="rId6"/>
+    <p:sldId id="298" r:id="rId7"/>
+    <p:sldId id="299" r:id="rId8"/>
+    <p:sldId id="300" r:id="rId9"/>
+    <p:sldId id="301" r:id="rId10"/>
   </p:sldIdLst>
   <p:sldSz cx="12192000" cy="6858000"/>
   <p:notesSz cx="6858000" cy="9144000"/>
@@ -162,10 +162,9 @@
           </a:lstStyle>
           <a:p>
             <a:r>
-              <a:rPr lang="en-US" smtClean="0"/>
+              <a:rPr lang="en-US"/>
               <a:t>Click to edit Master title style</a:t>
             </a:r>
-            <a:endParaRPr lang="en-US"/>
           </a:p>
         </p:txBody>
       </p:sp>
@@ -227,10 +226,9 @@
           </a:lstStyle>
           <a:p>
             <a:r>
-              <a:rPr lang="en-US" smtClean="0"/>
+              <a:rPr lang="en-US"/>
               <a:t>Click to edit Master subtitle style</a:t>
             </a:r>
-            <a:endParaRPr lang="en-US"/>
           </a:p>
         </p:txBody>
       </p:sp>
@@ -251,7 +249,7 @@
           <a:p>
             <a:fld id="{5B3AD1D6-AE87-C841-B3FD-7C9F7FCAE5AE}" type="datetimeFigureOut">
               <a:rPr lang="en-US" smtClean="0"/>
-              <a:t>12/16/19</a:t>
+              <a:t>12/20/19</a:t>
             </a:fld>
             <a:endParaRPr lang="en-US"/>
           </a:p>
@@ -345,10 +343,9 @@
           <a:lstStyle/>
           <a:p>
             <a:r>
-              <a:rPr lang="en-US" smtClean="0"/>
+              <a:rPr lang="en-US"/>
               <a:t>Click to edit Master title style</a:t>
             </a:r>
-            <a:endParaRPr lang="en-US"/>
           </a:p>
         </p:txBody>
       </p:sp>
@@ -369,38 +366,37 @@
           <a:p>
             <a:pPr lvl="0"/>
             <a:r>
-              <a:rPr lang="en-US" smtClean="0"/>
+              <a:rPr lang="en-US"/>
               <a:t>Click to edit Master text styles</a:t>
             </a:r>
           </a:p>
           <a:p>
             <a:pPr lvl="1"/>
             <a:r>
-              <a:rPr lang="en-US" smtClean="0"/>
+              <a:rPr lang="en-US"/>
               <a:t>Second level</a:t>
             </a:r>
           </a:p>
           <a:p>
             <a:pPr lvl="2"/>
             <a:r>
-              <a:rPr lang="en-US" smtClean="0"/>
+              <a:rPr lang="en-US"/>
               <a:t>Third level</a:t>
             </a:r>
           </a:p>
           <a:p>
             <a:pPr lvl="3"/>
             <a:r>
-              <a:rPr lang="en-US" smtClean="0"/>
+              <a:rPr lang="en-US"/>
               <a:t>Fourth level</a:t>
             </a:r>
           </a:p>
           <a:p>
             <a:pPr lvl="4"/>
             <a:r>
-              <a:rPr lang="en-US" smtClean="0"/>
+              <a:rPr lang="en-US"/>
               <a:t>Fifth level</a:t>
             </a:r>
-            <a:endParaRPr lang="en-US"/>
           </a:p>
         </p:txBody>
       </p:sp>
@@ -421,7 +417,7 @@
           <a:p>
             <a:fld id="{5B3AD1D6-AE87-C841-B3FD-7C9F7FCAE5AE}" type="datetimeFigureOut">
               <a:rPr lang="en-US" smtClean="0"/>
-              <a:t>12/16/19</a:t>
+              <a:t>12/20/19</a:t>
             </a:fld>
             <a:endParaRPr lang="en-US"/>
           </a:p>
@@ -520,10 +516,9 @@
           <a:lstStyle/>
           <a:p>
             <a:r>
-              <a:rPr lang="en-US" smtClean="0"/>
+              <a:rPr lang="en-US"/>
               <a:t>Click to edit Master title style</a:t>
             </a:r>
-            <a:endParaRPr lang="en-US"/>
           </a:p>
         </p:txBody>
       </p:sp>
@@ -549,38 +544,37 @@
           <a:p>
             <a:pPr lvl="0"/>
             <a:r>
-              <a:rPr lang="en-US" smtClean="0"/>
+              <a:rPr lang="en-US"/>
               <a:t>Click to edit Master text styles</a:t>
             </a:r>
           </a:p>
           <a:p>
             <a:pPr lvl="1"/>
             <a:r>
-              <a:rPr lang="en-US" smtClean="0"/>
+              <a:rPr lang="en-US"/>
               <a:t>Second level</a:t>
             </a:r>
           </a:p>
           <a:p>
             <a:pPr lvl="2"/>
             <a:r>
-              <a:rPr lang="en-US" smtClean="0"/>
+              <a:rPr lang="en-US"/>
               <a:t>Third level</a:t>
             </a:r>
           </a:p>
           <a:p>
             <a:pPr lvl="3"/>
             <a:r>
-              <a:rPr lang="en-US" smtClean="0"/>
+              <a:rPr lang="en-US"/>
               <a:t>Fourth level</a:t>
             </a:r>
           </a:p>
           <a:p>
             <a:pPr lvl="4"/>
             <a:r>
-              <a:rPr lang="en-US" smtClean="0"/>
+              <a:rPr lang="en-US"/>
               <a:t>Fifth level</a:t>
             </a:r>
-            <a:endParaRPr lang="en-US"/>
           </a:p>
         </p:txBody>
       </p:sp>
@@ -601,7 +595,7 @@
           <a:p>
             <a:fld id="{5B3AD1D6-AE87-C841-B3FD-7C9F7FCAE5AE}" type="datetimeFigureOut">
               <a:rPr lang="en-US" smtClean="0"/>
-              <a:t>12/16/19</a:t>
+              <a:t>12/20/19</a:t>
             </a:fld>
             <a:endParaRPr lang="en-US"/>
           </a:p>
@@ -695,10 +689,9 @@
           <a:lstStyle/>
           <a:p>
             <a:r>
-              <a:rPr lang="en-US" smtClean="0"/>
+              <a:rPr lang="en-US"/>
               <a:t>Click to edit Master title style</a:t>
             </a:r>
-            <a:endParaRPr lang="en-US"/>
           </a:p>
         </p:txBody>
       </p:sp>
@@ -719,38 +712,37 @@
           <a:p>
             <a:pPr lvl="0"/>
             <a:r>
-              <a:rPr lang="en-US" smtClean="0"/>
+              <a:rPr lang="en-US"/>
               <a:t>Click to edit Master text styles</a:t>
             </a:r>
           </a:p>
           <a:p>
             <a:pPr lvl="1"/>
             <a:r>
-              <a:rPr lang="en-US" smtClean="0"/>
+              <a:rPr lang="en-US"/>
               <a:t>Second level</a:t>
             </a:r>
           </a:p>
           <a:p>
             <a:pPr lvl="2"/>
             <a:r>
-              <a:rPr lang="en-US" smtClean="0"/>
+              <a:rPr lang="en-US"/>
               <a:t>Third level</a:t>
             </a:r>
           </a:p>
           <a:p>
             <a:pPr lvl="3"/>
             <a:r>
-              <a:rPr lang="en-US" smtClean="0"/>
+              <a:rPr lang="en-US"/>
               <a:t>Fourth level</a:t>
             </a:r>
           </a:p>
           <a:p>
             <a:pPr lvl="4"/>
             <a:r>
-              <a:rPr lang="en-US" smtClean="0"/>
+              <a:rPr lang="en-US"/>
               <a:t>Fifth level</a:t>
             </a:r>
-            <a:endParaRPr lang="en-US"/>
           </a:p>
         </p:txBody>
       </p:sp>
@@ -771,7 +763,7 @@
           <a:p>
             <a:fld id="{5B3AD1D6-AE87-C841-B3FD-7C9F7FCAE5AE}" type="datetimeFigureOut">
               <a:rPr lang="en-US" smtClean="0"/>
-              <a:t>12/16/19</a:t>
+              <a:t>12/20/19</a:t>
             </a:fld>
             <a:endParaRPr lang="en-US"/>
           </a:p>
@@ -874,10 +866,9 @@
           </a:lstStyle>
           <a:p>
             <a:r>
-              <a:rPr lang="en-US" smtClean="0"/>
+              <a:rPr lang="en-US"/>
               <a:t>Click to edit Master title style</a:t>
             </a:r>
-            <a:endParaRPr lang="en-US"/>
           </a:p>
         </p:txBody>
       </p:sp>
@@ -994,7 +985,7 @@
           <a:p>
             <a:pPr lvl="0"/>
             <a:r>
-              <a:rPr lang="en-US" smtClean="0"/>
+              <a:rPr lang="en-US"/>
               <a:t>Click to edit Master text styles</a:t>
             </a:r>
           </a:p>
@@ -1017,7 +1008,7 @@
           <a:p>
             <a:fld id="{5B3AD1D6-AE87-C841-B3FD-7C9F7FCAE5AE}" type="datetimeFigureOut">
               <a:rPr lang="en-US" smtClean="0"/>
-              <a:t>12/16/19</a:t>
+              <a:t>12/20/19</a:t>
             </a:fld>
             <a:endParaRPr lang="en-US"/>
           </a:p>
@@ -1111,10 +1102,9 @@
           <a:lstStyle/>
           <a:p>
             <a:r>
-              <a:rPr lang="en-US" smtClean="0"/>
+              <a:rPr lang="en-US"/>
               <a:t>Click to edit Master title style</a:t>
             </a:r>
-            <a:endParaRPr lang="en-US"/>
           </a:p>
         </p:txBody>
       </p:sp>
@@ -1140,38 +1130,37 @@
           <a:p>
             <a:pPr lvl="0"/>
             <a:r>
-              <a:rPr lang="en-US" smtClean="0"/>
+              <a:rPr lang="en-US"/>
               <a:t>Click to edit Master text styles</a:t>
             </a:r>
           </a:p>
           <a:p>
             <a:pPr lvl="1"/>
             <a:r>
-              <a:rPr lang="en-US" smtClean="0"/>
+              <a:rPr lang="en-US"/>
               <a:t>Second level</a:t>
             </a:r>
           </a:p>
           <a:p>
             <a:pPr lvl="2"/>
             <a:r>
-              <a:rPr lang="en-US" smtClean="0"/>
+              <a:rPr lang="en-US"/>
               <a:t>Third level</a:t>
             </a:r>
           </a:p>
           <a:p>
             <a:pPr lvl="3"/>
             <a:r>
-              <a:rPr lang="en-US" smtClean="0"/>
+              <a:rPr lang="en-US"/>
               <a:t>Fourth level</a:t>
             </a:r>
           </a:p>
           <a:p>
             <a:pPr lvl="4"/>
             <a:r>
-              <a:rPr lang="en-US" smtClean="0"/>
+              <a:rPr lang="en-US"/>
               <a:t>Fifth level</a:t>
             </a:r>
-            <a:endParaRPr lang="en-US"/>
           </a:p>
         </p:txBody>
       </p:sp>
@@ -1197,38 +1186,37 @@
           <a:p>
             <a:pPr lvl="0"/>
             <a:r>
-              <a:rPr lang="en-US" smtClean="0"/>
+              <a:rPr lang="en-US"/>
               <a:t>Click to edit Master text styles</a:t>
             </a:r>
           </a:p>
           <a:p>
             <a:pPr lvl="1"/>
             <a:r>
-              <a:rPr lang="en-US" smtClean="0"/>
+              <a:rPr lang="en-US"/>
               <a:t>Second level</a:t>
             </a:r>
           </a:p>
           <a:p>
             <a:pPr lvl="2"/>
             <a:r>
-              <a:rPr lang="en-US" smtClean="0"/>
+              <a:rPr lang="en-US"/>
               <a:t>Third level</a:t>
             </a:r>
           </a:p>
           <a:p>
             <a:pPr lvl="3"/>
             <a:r>
-              <a:rPr lang="en-US" smtClean="0"/>
+              <a:rPr lang="en-US"/>
               <a:t>Fourth level</a:t>
             </a:r>
           </a:p>
           <a:p>
             <a:pPr lvl="4"/>
             <a:r>
-              <a:rPr lang="en-US" smtClean="0"/>
+              <a:rPr lang="en-US"/>
               <a:t>Fifth level</a:t>
             </a:r>
-            <a:endParaRPr lang="en-US"/>
           </a:p>
         </p:txBody>
       </p:sp>
@@ -1249,7 +1237,7 @@
           <a:p>
             <a:fld id="{5B3AD1D6-AE87-C841-B3FD-7C9F7FCAE5AE}" type="datetimeFigureOut">
               <a:rPr lang="en-US" smtClean="0"/>
-              <a:t>12/16/19</a:t>
+              <a:t>12/20/19</a:t>
             </a:fld>
             <a:endParaRPr lang="en-US"/>
           </a:p>
@@ -1348,10 +1336,9 @@
           <a:lstStyle/>
           <a:p>
             <a:r>
-              <a:rPr lang="en-US" smtClean="0"/>
+              <a:rPr lang="en-US"/>
               <a:t>Click to edit Master title style</a:t>
             </a:r>
-            <a:endParaRPr lang="en-US"/>
           </a:p>
         </p:txBody>
       </p:sp>
@@ -1414,7 +1401,7 @@
           <a:p>
             <a:pPr lvl="0"/>
             <a:r>
-              <a:rPr lang="en-US" smtClean="0"/>
+              <a:rPr lang="en-US"/>
               <a:t>Click to edit Master text styles</a:t>
             </a:r>
           </a:p>
@@ -1442,38 +1429,37 @@
           <a:p>
             <a:pPr lvl="0"/>
             <a:r>
-              <a:rPr lang="en-US" smtClean="0"/>
+              <a:rPr lang="en-US"/>
               <a:t>Click to edit Master text styles</a:t>
             </a:r>
           </a:p>
           <a:p>
             <a:pPr lvl="1"/>
             <a:r>
-              <a:rPr lang="en-US" smtClean="0"/>
+              <a:rPr lang="en-US"/>
               <a:t>Second level</a:t>
             </a:r>
           </a:p>
           <a:p>
             <a:pPr lvl="2"/>
             <a:r>
-              <a:rPr lang="en-US" smtClean="0"/>
+              <a:rPr lang="en-US"/>
               <a:t>Third level</a:t>
             </a:r>
           </a:p>
           <a:p>
             <a:pPr lvl="3"/>
             <a:r>
-              <a:rPr lang="en-US" smtClean="0"/>
+              <a:rPr lang="en-US"/>
               <a:t>Fourth level</a:t>
             </a:r>
           </a:p>
           <a:p>
             <a:pPr lvl="4"/>
             <a:r>
-              <a:rPr lang="en-US" smtClean="0"/>
+              <a:rPr lang="en-US"/>
               <a:t>Fifth level</a:t>
             </a:r>
-            <a:endParaRPr lang="en-US"/>
           </a:p>
         </p:txBody>
       </p:sp>
@@ -1536,7 +1522,7 @@
           <a:p>
             <a:pPr lvl="0"/>
             <a:r>
-              <a:rPr lang="en-US" smtClean="0"/>
+              <a:rPr lang="en-US"/>
               <a:t>Click to edit Master text styles</a:t>
             </a:r>
           </a:p>
@@ -1564,38 +1550,37 @@
           <a:p>
             <a:pPr lvl="0"/>
             <a:r>
-              <a:rPr lang="en-US" smtClean="0"/>
+              <a:rPr lang="en-US"/>
               <a:t>Click to edit Master text styles</a:t>
             </a:r>
           </a:p>
           <a:p>
             <a:pPr lvl="1"/>
             <a:r>
-              <a:rPr lang="en-US" smtClean="0"/>
+              <a:rPr lang="en-US"/>
               <a:t>Second level</a:t>
             </a:r>
           </a:p>
           <a:p>
             <a:pPr lvl="2"/>
             <a:r>
-              <a:rPr lang="en-US" smtClean="0"/>
+              <a:rPr lang="en-US"/>
               <a:t>Third level</a:t>
             </a:r>
           </a:p>
           <a:p>
             <a:pPr lvl="3"/>
             <a:r>
-              <a:rPr lang="en-US" smtClean="0"/>
+              <a:rPr lang="en-US"/>
               <a:t>Fourth level</a:t>
             </a:r>
           </a:p>
           <a:p>
             <a:pPr lvl="4"/>
             <a:r>
-              <a:rPr lang="en-US" smtClean="0"/>
+              <a:rPr lang="en-US"/>
               <a:t>Fifth level</a:t>
             </a:r>
-            <a:endParaRPr lang="en-US"/>
           </a:p>
         </p:txBody>
       </p:sp>
@@ -1616,7 +1601,7 @@
           <a:p>
             <a:fld id="{5B3AD1D6-AE87-C841-B3FD-7C9F7FCAE5AE}" type="datetimeFigureOut">
               <a:rPr lang="en-US" smtClean="0"/>
-              <a:t>12/16/19</a:t>
+              <a:t>12/20/19</a:t>
             </a:fld>
             <a:endParaRPr lang="en-US"/>
           </a:p>
@@ -1710,10 +1695,9 @@
           <a:lstStyle/>
           <a:p>
             <a:r>
-              <a:rPr lang="en-US" smtClean="0"/>
+              <a:rPr lang="en-US"/>
               <a:t>Click to edit Master title style</a:t>
             </a:r>
-            <a:endParaRPr lang="en-US"/>
           </a:p>
         </p:txBody>
       </p:sp>
@@ -1734,7 +1718,7 @@
           <a:p>
             <a:fld id="{5B3AD1D6-AE87-C841-B3FD-7C9F7FCAE5AE}" type="datetimeFigureOut">
               <a:rPr lang="en-US" smtClean="0"/>
-              <a:t>12/16/19</a:t>
+              <a:t>12/20/19</a:t>
             </a:fld>
             <a:endParaRPr lang="en-US"/>
           </a:p>
@@ -1829,7 +1813,7 @@
           <a:p>
             <a:fld id="{5B3AD1D6-AE87-C841-B3FD-7C9F7FCAE5AE}" type="datetimeFigureOut">
               <a:rPr lang="en-US" smtClean="0"/>
-              <a:t>12/16/19</a:t>
+              <a:t>12/20/19</a:t>
             </a:fld>
             <a:endParaRPr lang="en-US"/>
           </a:p>
@@ -1932,10 +1916,9 @@
           </a:lstStyle>
           <a:p>
             <a:r>
-              <a:rPr lang="en-US" smtClean="0"/>
+              <a:rPr lang="en-US"/>
               <a:t>Click to edit Master title style</a:t>
             </a:r>
-            <a:endParaRPr lang="en-US"/>
           </a:p>
         </p:txBody>
       </p:sp>
@@ -1989,38 +1972,37 @@
           <a:p>
             <a:pPr lvl="0"/>
             <a:r>
-              <a:rPr lang="en-US" smtClean="0"/>
+              <a:rPr lang="en-US"/>
               <a:t>Click to edit Master text styles</a:t>
             </a:r>
           </a:p>
           <a:p>
             <a:pPr lvl="1"/>
             <a:r>
-              <a:rPr lang="en-US" smtClean="0"/>
+              <a:rPr lang="en-US"/>
               <a:t>Second level</a:t>
             </a:r>
           </a:p>
           <a:p>
             <a:pPr lvl="2"/>
             <a:r>
-              <a:rPr lang="en-US" smtClean="0"/>
+              <a:rPr lang="en-US"/>
               <a:t>Third level</a:t>
             </a:r>
           </a:p>
           <a:p>
             <a:pPr lvl="3"/>
             <a:r>
-              <a:rPr lang="en-US" smtClean="0"/>
+              <a:rPr lang="en-US"/>
               <a:t>Fourth level</a:t>
             </a:r>
           </a:p>
           <a:p>
             <a:pPr lvl="4"/>
             <a:r>
-              <a:rPr lang="en-US" smtClean="0"/>
+              <a:rPr lang="en-US"/>
               <a:t>Fifth level</a:t>
             </a:r>
-            <a:endParaRPr lang="en-US"/>
           </a:p>
         </p:txBody>
       </p:sp>
@@ -2083,7 +2065,7 @@
           <a:p>
             <a:pPr lvl="0"/>
             <a:r>
-              <a:rPr lang="en-US" smtClean="0"/>
+              <a:rPr lang="en-US"/>
               <a:t>Click to edit Master text styles</a:t>
             </a:r>
           </a:p>
@@ -2106,7 +2088,7 @@
           <a:p>
             <a:fld id="{5B3AD1D6-AE87-C841-B3FD-7C9F7FCAE5AE}" type="datetimeFigureOut">
               <a:rPr lang="en-US" smtClean="0"/>
-              <a:t>12/16/19</a:t>
+              <a:t>12/20/19</a:t>
             </a:fld>
             <a:endParaRPr lang="en-US"/>
           </a:p>
@@ -2209,10 +2191,9 @@
           </a:lstStyle>
           <a:p>
             <a:r>
-              <a:rPr lang="en-US" smtClean="0"/>
+              <a:rPr lang="en-US"/>
               <a:t>Click to edit Master title style</a:t>
             </a:r>
-            <a:endParaRPr lang="en-US"/>
           </a:p>
         </p:txBody>
       </p:sp>
@@ -2336,7 +2317,7 @@
           <a:p>
             <a:pPr lvl="0"/>
             <a:r>
-              <a:rPr lang="en-US" smtClean="0"/>
+              <a:rPr lang="en-US"/>
               <a:t>Click to edit Master text styles</a:t>
             </a:r>
           </a:p>
@@ -2359,7 +2340,7 @@
           <a:p>
             <a:fld id="{5B3AD1D6-AE87-C841-B3FD-7C9F7FCAE5AE}" type="datetimeFigureOut">
               <a:rPr lang="en-US" smtClean="0"/>
-              <a:t>12/16/19</a:t>
+              <a:t>12/20/19</a:t>
             </a:fld>
             <a:endParaRPr lang="en-US"/>
           </a:p>
@@ -2468,10 +2449,9 @@
           <a:lstStyle/>
           <a:p>
             <a:r>
-              <a:rPr lang="en-US" smtClean="0"/>
+              <a:rPr lang="en-US"/>
               <a:t>Click to edit Master title style</a:t>
             </a:r>
-            <a:endParaRPr lang="en-US"/>
           </a:p>
         </p:txBody>
       </p:sp>
@@ -2502,38 +2482,37 @@
           <a:p>
             <a:pPr lvl="0"/>
             <a:r>
-              <a:rPr lang="en-US" smtClean="0"/>
+              <a:rPr lang="en-US"/>
               <a:t>Click to edit Master text styles</a:t>
             </a:r>
           </a:p>
           <a:p>
             <a:pPr lvl="1"/>
             <a:r>
-              <a:rPr lang="en-US" smtClean="0"/>
+              <a:rPr lang="en-US"/>
               <a:t>Second level</a:t>
             </a:r>
           </a:p>
           <a:p>
             <a:pPr lvl="2"/>
             <a:r>
-              <a:rPr lang="en-US" smtClean="0"/>
+              <a:rPr lang="en-US"/>
               <a:t>Third level</a:t>
             </a:r>
           </a:p>
           <a:p>
             <a:pPr lvl="3"/>
             <a:r>
-              <a:rPr lang="en-US" smtClean="0"/>
+              <a:rPr lang="en-US"/>
               <a:t>Fourth level</a:t>
             </a:r>
           </a:p>
           <a:p>
             <a:pPr lvl="4"/>
             <a:r>
-              <a:rPr lang="en-US" smtClean="0"/>
+              <a:rPr lang="en-US"/>
               <a:t>Fifth level</a:t>
             </a:r>
-            <a:endParaRPr lang="en-US"/>
           </a:p>
         </p:txBody>
       </p:sp>
@@ -2572,7 +2551,7 @@
           <a:p>
             <a:fld id="{5B3AD1D6-AE87-C841-B3FD-7C9F7FCAE5AE}" type="datetimeFigureOut">
               <a:rPr lang="en-US" smtClean="0"/>
-              <a:t>12/16/19</a:t>
+              <a:t>12/20/19</a:t>
             </a:fld>
             <a:endParaRPr lang="en-US"/>
           </a:p>
@@ -2999,29 +2978,6 @@
           </a:bodyPr>
           <a:lstStyle/>
           <a:p>
-            <a:r>
-              <a:rPr lang="en-US" sz="4000" dirty="0" smtClean="0">
-                <a:latin typeface="Arial Black" charset="0"/>
-                <a:ea typeface="Arial Black" charset="0"/>
-                <a:cs typeface="Arial Black" charset="0"/>
-              </a:rPr>
-              <a:t/>
-            </a:r>
-            <a:br>
-              <a:rPr lang="en-US" sz="4000" dirty="0" smtClean="0">
-                <a:latin typeface="Arial Black" charset="0"/>
-                <a:ea typeface="Arial Black" charset="0"/>
-                <a:cs typeface="Arial Black" charset="0"/>
-              </a:rPr>
-            </a:br>
-            <a:r>
-              <a:rPr lang="en-US" sz="4000" dirty="0">
-                <a:latin typeface="Arial Black" charset="0"/>
-                <a:ea typeface="Arial Black" charset="0"/>
-                <a:cs typeface="Arial Black" charset="0"/>
-              </a:rPr>
-              <a:t/>
-            </a:r>
             <a:br>
               <a:rPr lang="en-US" sz="4000" dirty="0">
                 <a:latin typeface="Arial Black" charset="0"/>
@@ -3029,29 +2985,6 @@
                 <a:cs typeface="Arial Black" charset="0"/>
               </a:rPr>
             </a:br>
-            <a:r>
-              <a:rPr lang="en-US" sz="4000" dirty="0" smtClean="0">
-                <a:latin typeface="Arial Black" charset="0"/>
-                <a:ea typeface="Arial Black" charset="0"/>
-                <a:cs typeface="Arial Black" charset="0"/>
-              </a:rPr>
-              <a:t/>
-            </a:r>
-            <a:br>
-              <a:rPr lang="en-US" sz="4000" dirty="0" smtClean="0">
-                <a:latin typeface="Arial Black" charset="0"/>
-                <a:ea typeface="Arial Black" charset="0"/>
-                <a:cs typeface="Arial Black" charset="0"/>
-              </a:rPr>
-            </a:br>
-            <a:r>
-              <a:rPr lang="en-US" sz="4000" dirty="0">
-                <a:latin typeface="Arial Black" charset="0"/>
-                <a:ea typeface="Arial Black" charset="0"/>
-                <a:cs typeface="Arial Black" charset="0"/>
-              </a:rPr>
-              <a:t/>
-            </a:r>
             <a:br>
               <a:rPr lang="en-US" sz="4000" dirty="0">
                 <a:latin typeface="Arial Black" charset="0"/>
@@ -3059,29 +2992,6 @@
                 <a:cs typeface="Arial Black" charset="0"/>
               </a:rPr>
             </a:br>
-            <a:r>
-              <a:rPr lang="en-US" sz="4000" dirty="0" smtClean="0">
-                <a:latin typeface="Arial Black" charset="0"/>
-                <a:ea typeface="Arial Black" charset="0"/>
-                <a:cs typeface="Arial Black" charset="0"/>
-              </a:rPr>
-              <a:t/>
-            </a:r>
-            <a:br>
-              <a:rPr lang="en-US" sz="4000" dirty="0" smtClean="0">
-                <a:latin typeface="Arial Black" charset="0"/>
-                <a:ea typeface="Arial Black" charset="0"/>
-                <a:cs typeface="Arial Black" charset="0"/>
-              </a:rPr>
-            </a:br>
-            <a:r>
-              <a:rPr lang="en-US" sz="4000" dirty="0">
-                <a:latin typeface="Arial Black" charset="0"/>
-                <a:ea typeface="Arial Black" charset="0"/>
-                <a:cs typeface="Arial Black" charset="0"/>
-              </a:rPr>
-              <a:t/>
-            </a:r>
             <a:br>
               <a:rPr lang="en-US" sz="4000" dirty="0">
                 <a:latin typeface="Arial Black" charset="0"/>
@@ -3089,29 +2999,6 @@
                 <a:cs typeface="Arial Black" charset="0"/>
               </a:rPr>
             </a:br>
-            <a:r>
-              <a:rPr lang="en-US" sz="4000" dirty="0" smtClean="0">
-                <a:latin typeface="Arial Black" charset="0"/>
-                <a:ea typeface="Arial Black" charset="0"/>
-                <a:cs typeface="Arial Black" charset="0"/>
-              </a:rPr>
-              <a:t/>
-            </a:r>
-            <a:br>
-              <a:rPr lang="en-US" sz="4000" dirty="0" smtClean="0">
-                <a:latin typeface="Arial Black" charset="0"/>
-                <a:ea typeface="Arial Black" charset="0"/>
-                <a:cs typeface="Arial Black" charset="0"/>
-              </a:rPr>
-            </a:br>
-            <a:r>
-              <a:rPr lang="en-US" sz="4000" dirty="0">
-                <a:latin typeface="Arial Black" charset="0"/>
-                <a:ea typeface="Arial Black" charset="0"/>
-                <a:cs typeface="Arial Black" charset="0"/>
-              </a:rPr>
-              <a:t/>
-            </a:r>
             <a:br>
               <a:rPr lang="en-US" sz="4000" dirty="0">
                 <a:latin typeface="Arial Black" charset="0"/>
@@ -3119,29 +3006,6 @@
                 <a:cs typeface="Arial Black" charset="0"/>
               </a:rPr>
             </a:br>
-            <a:r>
-              <a:rPr lang="en-US" sz="4000" dirty="0" smtClean="0">
-                <a:latin typeface="Arial Black" charset="0"/>
-                <a:ea typeface="Arial Black" charset="0"/>
-                <a:cs typeface="Arial Black" charset="0"/>
-              </a:rPr>
-              <a:t/>
-            </a:r>
-            <a:br>
-              <a:rPr lang="en-US" sz="4000" dirty="0" smtClean="0">
-                <a:latin typeface="Arial Black" charset="0"/>
-                <a:ea typeface="Arial Black" charset="0"/>
-                <a:cs typeface="Arial Black" charset="0"/>
-              </a:rPr>
-            </a:br>
-            <a:r>
-              <a:rPr lang="en-US" sz="4000" dirty="0">
-                <a:latin typeface="Arial Black" charset="0"/>
-                <a:ea typeface="Arial Black" charset="0"/>
-                <a:cs typeface="Arial Black" charset="0"/>
-              </a:rPr>
-              <a:t/>
-            </a:r>
             <a:br>
               <a:rPr lang="en-US" sz="4000" dirty="0">
                 <a:latin typeface="Arial Black" charset="0"/>
@@ -3149,23 +3013,50 @@
                 <a:cs typeface="Arial Black" charset="0"/>
               </a:rPr>
             </a:br>
-            <a:r>
-              <a:rPr lang="en-US" sz="4000" dirty="0" smtClean="0">
-                <a:latin typeface="Arial Black" charset="0"/>
-                <a:ea typeface="Arial Black" charset="0"/>
-                <a:cs typeface="Arial Black" charset="0"/>
-              </a:rPr>
-              <a:t/>
-            </a:r>
             <a:br>
-              <a:rPr lang="en-US" sz="4000" dirty="0" smtClean="0">
+              <a:rPr lang="en-US" sz="4000" dirty="0">
                 <a:latin typeface="Arial Black" charset="0"/>
                 <a:ea typeface="Arial Black" charset="0"/>
                 <a:cs typeface="Arial Black" charset="0"/>
               </a:rPr>
             </a:br>
-            <a:r>
-              <a:rPr lang="en-US" sz="6700" dirty="0" smtClean="0">
+            <a:br>
+              <a:rPr lang="en-US" sz="4000" dirty="0">
+                <a:latin typeface="Arial Black" charset="0"/>
+                <a:ea typeface="Arial Black" charset="0"/>
+                <a:cs typeface="Arial Black" charset="0"/>
+              </a:rPr>
+            </a:br>
+            <a:br>
+              <a:rPr lang="en-US" sz="4000" dirty="0">
+                <a:latin typeface="Arial Black" charset="0"/>
+                <a:ea typeface="Arial Black" charset="0"/>
+                <a:cs typeface="Arial Black" charset="0"/>
+              </a:rPr>
+            </a:br>
+            <a:br>
+              <a:rPr lang="en-US" sz="4000" dirty="0">
+                <a:latin typeface="Arial Black" charset="0"/>
+                <a:ea typeface="Arial Black" charset="0"/>
+                <a:cs typeface="Arial Black" charset="0"/>
+              </a:rPr>
+            </a:br>
+            <a:br>
+              <a:rPr lang="en-US" sz="4000" dirty="0">
+                <a:latin typeface="Arial Black" charset="0"/>
+                <a:ea typeface="Arial Black" charset="0"/>
+                <a:cs typeface="Arial Black" charset="0"/>
+              </a:rPr>
+            </a:br>
+            <a:br>
+              <a:rPr lang="en-US" sz="4000" dirty="0">
+                <a:latin typeface="Arial Black" charset="0"/>
+                <a:ea typeface="Arial Black" charset="0"/>
+                <a:cs typeface="Arial Black" charset="0"/>
+              </a:rPr>
+            </a:br>
+            <a:r>
+              <a:rPr lang="en-US" sz="6700" dirty="0">
                 <a:latin typeface="Arial Black" charset="0"/>
                 <a:ea typeface="Arial Black" charset="0"/>
                 <a:cs typeface="Arial Black" charset="0"/>
@@ -3173,14 +3064,14 @@
               <a:t>Problems</a:t>
             </a:r>
             <a:br>
-              <a:rPr lang="en-US" sz="6700" dirty="0" smtClean="0">
+              <a:rPr lang="en-US" sz="6700" dirty="0">
                 <a:latin typeface="Arial Black" charset="0"/>
                 <a:ea typeface="Arial Black" charset="0"/>
                 <a:cs typeface="Arial Black" charset="0"/>
               </a:rPr>
             </a:br>
             <a:r>
-              <a:rPr lang="en-US" sz="6700" dirty="0" smtClean="0">
+              <a:rPr lang="en-US" sz="6700" dirty="0">
                 <a:latin typeface="Arial Black" charset="0"/>
                 <a:ea typeface="Arial Black" charset="0"/>
                 <a:cs typeface="Arial Black" charset="0"/>
@@ -3188,14 +3079,14 @@
               <a:t>on</a:t>
             </a:r>
             <a:br>
-              <a:rPr lang="en-US" sz="6700" dirty="0" smtClean="0">
+              <a:rPr lang="en-US" sz="6700">
                 <a:latin typeface="Arial Black" charset="0"/>
                 <a:ea typeface="Arial Black" charset="0"/>
                 <a:cs typeface="Arial Black" charset="0"/>
               </a:rPr>
             </a:br>
             <a:r>
-              <a:rPr lang="en-US" sz="6700" dirty="0" smtClean="0">
+              <a:rPr lang="en-US" sz="6700">
                 <a:latin typeface="Arial Black" charset="0"/>
                 <a:ea typeface="Arial Black" charset="0"/>
                 <a:cs typeface="Arial Black" charset="0"/>
@@ -3203,22 +3094,22 @@
               <a:t>Counting</a:t>
             </a:r>
             <a:br>
-              <a:rPr lang="en-US" sz="6700" dirty="0" smtClean="0">
+              <a:rPr lang="en-US" sz="6700">
                 <a:latin typeface="Arial Black" charset="0"/>
                 <a:ea typeface="Arial Black" charset="0"/>
                 <a:cs typeface="Arial Black" charset="0"/>
               </a:rPr>
             </a:br>
             <a:r>
-              <a:rPr lang="en-US" sz="6700" dirty="0" smtClean="0">
+              <a:rPr lang="en-US" sz="6700">
                 <a:latin typeface="Arial Black" charset="0"/>
                 <a:ea typeface="Arial Black" charset="0"/>
                 <a:cs typeface="Arial Black" charset="0"/>
               </a:rPr>
-              <a:t/>
+              <a:t>2019</a:t>
             </a:r>
             <a:br>
-              <a:rPr lang="en-US" sz="6700" dirty="0" smtClean="0">
+              <a:rPr lang="en-US" sz="6700" dirty="0">
                 <a:latin typeface="Arial Black" charset="0"/>
                 <a:ea typeface="Arial Black" charset="0"/>
                 <a:cs typeface="Arial Black" charset="0"/>
@@ -3306,18 +3197,13 @@
           <a:lstStyle/>
           <a:p>
             <a:r>
-              <a:rPr lang="en-US" sz="4000" dirty="0" smtClean="0">
+              <a:rPr lang="en-US" sz="4000" dirty="0">
                 <a:latin typeface="Arial Black" charset="0"/>
                 <a:ea typeface="Arial Black" charset="0"/>
                 <a:cs typeface="Arial Black" charset="0"/>
               </a:rPr>
               <a:t>Reference</a:t>
             </a:r>
-            <a:endParaRPr lang="en-US" sz="4000" dirty="0">
-              <a:latin typeface="Arial Black" charset="0"/>
-              <a:ea typeface="Arial Black" charset="0"/>
-              <a:cs typeface="Arial Black" charset="0"/>
-            </a:endParaRPr>
           </a:p>
         </p:txBody>
       </p:sp>
@@ -3336,7 +3222,7 @@
           <a:bodyPr/>
           <a:lstStyle/>
           <a:p>
-            <a:endParaRPr lang="en-US" sz="2000" dirty="0" smtClean="0">
+            <a:endParaRPr lang="en-US" sz="2000" dirty="0">
               <a:latin typeface="Arial Black" charset="0"/>
               <a:ea typeface="Arial Black" charset="0"/>
               <a:cs typeface="Arial Black" charset="0"/>
@@ -3345,7 +3231,7 @@
           </a:p>
           <a:p>
             <a:r>
-              <a:rPr lang="en-US" sz="2000" dirty="0" smtClean="0">
+              <a:rPr lang="en-US" sz="2000" dirty="0">
                 <a:latin typeface="Arial Black" charset="0"/>
                 <a:ea typeface="Arial Black" charset="0"/>
                 <a:cs typeface="Arial Black" charset="0"/>
@@ -3353,14 +3239,14 @@
               </a:rPr>
               <a:t>Data</a:t>
             </a:r>
-            <a:endParaRPr lang="en-US" sz="2000" dirty="0" smtClean="0">
+            <a:endParaRPr lang="en-US" sz="2000" dirty="0">
               <a:latin typeface="Arial Black" charset="0"/>
               <a:ea typeface="Arial Black" charset="0"/>
               <a:cs typeface="Arial Black" charset="0"/>
             </a:endParaRPr>
           </a:p>
           <a:p>
-            <a:endParaRPr lang="en-US" sz="2000" dirty="0" smtClean="0">
+            <a:endParaRPr lang="en-US" sz="2000" dirty="0">
               <a:latin typeface="Arial Black" charset="0"/>
               <a:ea typeface="Arial Black" charset="0"/>
               <a:cs typeface="Arial Black" charset="0"/>
@@ -3368,7 +3254,7 @@
           </a:p>
           <a:p>
             <a:r>
-              <a:rPr lang="en-US" sz="2000" dirty="0" smtClean="0">
+              <a:rPr lang="en-US" sz="2000" dirty="0">
                 <a:latin typeface="Arial Black" charset="0"/>
                 <a:ea typeface="Arial Black" charset="0"/>
                 <a:cs typeface="Arial Black" charset="0"/>
@@ -3376,14 +3262,14 @@
               </a:rPr>
               <a:t>Youtube</a:t>
             </a:r>
-            <a:endParaRPr lang="en-US" sz="2000" dirty="0" smtClean="0">
+            <a:endParaRPr lang="en-US" sz="2000" dirty="0">
               <a:latin typeface="Arial Black" charset="0"/>
               <a:ea typeface="Arial Black" charset="0"/>
               <a:cs typeface="Arial Black" charset="0"/>
             </a:endParaRPr>
           </a:p>
           <a:p>
-            <a:endParaRPr lang="en-US" dirty="0" smtClean="0">
+            <a:endParaRPr lang="en-US" dirty="0">
               <a:latin typeface="Arial Black" charset="0"/>
               <a:ea typeface="Arial Black" charset="0"/>
               <a:cs typeface="Arial Black" charset="0"/>
@@ -3391,7 +3277,7 @@
           </a:p>
           <a:p>
             <a:r>
-              <a:rPr lang="en-US" sz="2000" dirty="0" smtClean="0">
+              <a:rPr lang="en-US" sz="2000" dirty="0">
                 <a:latin typeface="Arial Black" charset="0"/>
                 <a:ea typeface="Arial Black" charset="0"/>
                 <a:cs typeface="Arial Black" charset="0"/>
@@ -3399,7 +3285,7 @@
               </a:rPr>
               <a:t>Code</a:t>
             </a:r>
-            <a:endParaRPr lang="en-US" sz="2000" dirty="0" smtClean="0">
+            <a:endParaRPr lang="en-US" sz="2000" dirty="0">
               <a:latin typeface="Arial Black" charset="0"/>
               <a:ea typeface="Arial Black" charset="0"/>
               <a:cs typeface="Arial Black" charset="0"/>
@@ -3418,13 +3304,6 @@
   <p:clrMapOvr>
     <a:masterClrMapping/>
   </p:clrMapOvr>
-  <p:timing>
-    <p:tnLst>
-      <p:par>
-        <p:cTn id="1" dur="indefinite" restart="never" nodeType="tmRoot"/>
-      </p:par>
-    </p:tnLst>
-  </p:timing>
 </p:sld>
 </file>
 
@@ -3468,18 +3347,13 @@
           <a:lstStyle/>
           <a:p>
             <a:r>
-              <a:rPr lang="en-US" sz="4000" dirty="0" smtClean="0">
+              <a:rPr lang="en-US" sz="4000" dirty="0">
                 <a:latin typeface="Arial Black" charset="0"/>
                 <a:ea typeface="Arial Black" charset="0"/>
                 <a:cs typeface="Arial Black" charset="0"/>
               </a:rPr>
               <a:t>[2019]</a:t>
             </a:r>
-            <a:endParaRPr lang="en-US" sz="4000" dirty="0">
-              <a:latin typeface="Arial Black" charset="0"/>
-              <a:ea typeface="Arial Black" charset="0"/>
-              <a:cs typeface="Arial Black" charset="0"/>
-            </a:endParaRPr>
           </a:p>
         </p:txBody>
       </p:sp>
@@ -3545,6 +3419,29 @@
       </p:grpSpPr>
       <p:pic>
         <p:nvPicPr>
+          <p:cNvPr id="2" name="Picture 1"/>
+          <p:cNvPicPr>
+            <a:picLocks noChangeAspect="1"/>
+          </p:cNvPicPr>
+          <p:nvPr/>
+        </p:nvPicPr>
+        <p:blipFill>
+          <a:blip r:embed="rId2"/>
+          <a:srcRect/>
+          <a:stretch/>
+        </p:blipFill>
+        <p:spPr>
+          <a:xfrm>
+            <a:off x="1665557" y="2120900"/>
+            <a:ext cx="8848185" cy="2616200"/>
+          </a:xfrm>
+          <a:prstGeom prst="rect">
+            <a:avLst/>
+          </a:prstGeom>
+        </p:spPr>
+      </p:pic>
+      <p:pic>
+        <p:nvPicPr>
           <p:cNvPr id="3" name="Picture 2"/>
           <p:cNvPicPr>
             <a:picLocks noChangeAspect="1"/>
@@ -3552,7 +3449,30 @@
           <p:nvPr/>
         </p:nvPicPr>
         <p:blipFill>
-          <a:blip r:embed="rId2">
+          <a:blip r:embed="rId3"/>
+          <a:srcRect/>
+          <a:stretch/>
+        </p:blipFill>
+        <p:spPr>
+          <a:xfrm>
+            <a:off x="3627826" y="5191760"/>
+            <a:ext cx="4557888" cy="1079500"/>
+          </a:xfrm>
+          <a:prstGeom prst="rect">
+            <a:avLst/>
+          </a:prstGeom>
+        </p:spPr>
+      </p:pic>
+      <p:pic>
+        <p:nvPicPr>
+          <p:cNvPr id="4" name="Picture 3"/>
+          <p:cNvPicPr>
+            <a:picLocks noChangeAspect="1"/>
+          </p:cNvPicPr>
+          <p:nvPr/>
+        </p:nvPicPr>
+        <p:blipFill>
+          <a:blip r:embed="rId4">
             <a:extLst>
               <a:ext uri="{28A0092B-C50C-407E-A947-70E740481C1C}">
                 <a14:useLocalDpi xmlns:a14="http://schemas.microsoft.com/office/drawing/2010/main" val="0"/>
@@ -3565,8 +3485,8 @@
         </p:blipFill>
         <p:spPr>
           <a:xfrm>
-            <a:off x="2667000" y="2133600"/>
-            <a:ext cx="6845300" cy="2578100"/>
+            <a:off x="104140" y="101600"/>
+            <a:ext cx="4050887" cy="1852930"/>
           </a:xfrm>
           <a:prstGeom prst="rect">
             <a:avLst/>
@@ -3575,28 +3495,28 @@
       </p:pic>
       <p:pic>
         <p:nvPicPr>
-          <p:cNvPr id="4" name="Picture 3"/>
+          <p:cNvPr id="6" name="Picture 5" descr="A close up of a logo&#10;&#10;Description automatically generated">
+            <a:extLst>
+              <a:ext uri="{FF2B5EF4-FFF2-40B4-BE49-F238E27FC236}">
+                <a16:creationId xmlns:a16="http://schemas.microsoft.com/office/drawing/2014/main" id="{CAD69CE0-4A43-D648-AD9D-4293ABBE5EBD}"/>
+              </a:ext>
+            </a:extLst>
+          </p:cNvPr>
           <p:cNvPicPr>
             <a:picLocks noChangeAspect="1"/>
           </p:cNvPicPr>
           <p:nvPr/>
         </p:nvPicPr>
         <p:blipFill>
-          <a:blip r:embed="rId3">
-            <a:extLst>
-              <a:ext uri="{28A0092B-C50C-407E-A947-70E740481C1C}">
-                <a14:useLocalDpi xmlns:a14="http://schemas.microsoft.com/office/drawing/2010/main" val="0"/>
-              </a:ext>
-            </a:extLst>
-          </a:blip>
+          <a:blip r:embed="rId5"/>
           <a:stretch>
             <a:fillRect/>
           </a:stretch>
         </p:blipFill>
         <p:spPr>
           <a:xfrm>
-            <a:off x="104140" y="101600"/>
-            <a:ext cx="4050887" cy="1852930"/>
+            <a:off x="3627827" y="2717800"/>
+            <a:ext cx="7119062" cy="3683000"/>
           </a:xfrm>
           <a:prstGeom prst="rect">
             <a:avLst/>
@@ -3606,7 +3526,7 @@
     </p:spTree>
     <p:extLst>
       <p:ext uri="{BB962C8B-B14F-4D97-AF65-F5344CB8AC3E}">
-        <p14:creationId xmlns:p14="http://schemas.microsoft.com/office/powerpoint/2010/main" val="1486962172"/>
+        <p14:creationId xmlns:p14="http://schemas.microsoft.com/office/powerpoint/2010/main" val="23924681"/>
       </p:ext>
     </p:extLst>
   </p:cSld>
@@ -3642,7 +3562,53 @@
           <p:nvPr/>
         </p:nvPicPr>
         <p:blipFill>
-          <a:blip r:embed="rId2">
+          <a:blip r:embed="rId2"/>
+          <a:srcRect/>
+          <a:stretch/>
+        </p:blipFill>
+        <p:spPr>
+          <a:xfrm>
+            <a:off x="1665557" y="2120900"/>
+            <a:ext cx="8848185" cy="2616200"/>
+          </a:xfrm>
+          <a:prstGeom prst="rect">
+            <a:avLst/>
+          </a:prstGeom>
+        </p:spPr>
+      </p:pic>
+      <p:pic>
+        <p:nvPicPr>
+          <p:cNvPr id="3" name="Picture 2"/>
+          <p:cNvPicPr>
+            <a:picLocks noChangeAspect="1"/>
+          </p:cNvPicPr>
+          <p:nvPr/>
+        </p:nvPicPr>
+        <p:blipFill>
+          <a:blip r:embed="rId3"/>
+          <a:srcRect/>
+          <a:stretch/>
+        </p:blipFill>
+        <p:spPr>
+          <a:xfrm>
+            <a:off x="3627826" y="5191760"/>
+            <a:ext cx="4557888" cy="1079500"/>
+          </a:xfrm>
+          <a:prstGeom prst="rect">
+            <a:avLst/>
+          </a:prstGeom>
+        </p:spPr>
+      </p:pic>
+      <p:pic>
+        <p:nvPicPr>
+          <p:cNvPr id="4" name="Picture 3"/>
+          <p:cNvPicPr>
+            <a:picLocks noChangeAspect="1"/>
+          </p:cNvPicPr>
+          <p:nvPr/>
+        </p:nvPicPr>
+        <p:blipFill>
+          <a:blip r:embed="rId4">
             <a:extLst>
               <a:ext uri="{28A0092B-C50C-407E-A947-70E740481C1C}">
                 <a14:useLocalDpi xmlns:a14="http://schemas.microsoft.com/office/drawing/2010/main" val="0"/>
@@ -3655,8 +3621,8 @@
         </p:blipFill>
         <p:spPr>
           <a:xfrm>
-            <a:off x="2692400" y="2120900"/>
-            <a:ext cx="6807200" cy="2603500"/>
+            <a:off x="104140" y="101600"/>
+            <a:ext cx="4050887" cy="1852930"/>
           </a:xfrm>
           <a:prstGeom prst="rect">
             <a:avLst/>
@@ -3665,28 +3631,58 @@
       </p:pic>
       <p:pic>
         <p:nvPicPr>
-          <p:cNvPr id="3" name="Picture 2"/>
+          <p:cNvPr id="6" name="Picture 5" descr="A close up of a logo&#10;&#10;Description automatically generated">
+            <a:extLst>
+              <a:ext uri="{FF2B5EF4-FFF2-40B4-BE49-F238E27FC236}">
+                <a16:creationId xmlns:a16="http://schemas.microsoft.com/office/drawing/2014/main" id="{CAD69CE0-4A43-D648-AD9D-4293ABBE5EBD}"/>
+              </a:ext>
+            </a:extLst>
+          </p:cNvPr>
           <p:cNvPicPr>
             <a:picLocks noChangeAspect="1"/>
           </p:cNvPicPr>
           <p:nvPr/>
         </p:nvPicPr>
         <p:blipFill>
-          <a:blip r:embed="rId3">
-            <a:extLst>
-              <a:ext uri="{28A0092B-C50C-407E-A947-70E740481C1C}">
-                <a14:useLocalDpi xmlns:a14="http://schemas.microsoft.com/office/drawing/2010/main" val="0"/>
-              </a:ext>
-            </a:extLst>
-          </a:blip>
+          <a:blip r:embed="rId5"/>
           <a:stretch>
             <a:fillRect/>
           </a:stretch>
         </p:blipFill>
         <p:spPr>
           <a:xfrm>
-            <a:off x="104140" y="101600"/>
-            <a:ext cx="4050887" cy="1852930"/>
+            <a:off x="6852621" y="2717800"/>
+            <a:ext cx="3894268" cy="3683000"/>
+          </a:xfrm>
+          <a:prstGeom prst="rect">
+            <a:avLst/>
+          </a:prstGeom>
+        </p:spPr>
+      </p:pic>
+      <p:pic>
+        <p:nvPicPr>
+          <p:cNvPr id="7" name="Picture 6" descr="A close up of a logo&#10;&#10;Description automatically generated">
+            <a:extLst>
+              <a:ext uri="{FF2B5EF4-FFF2-40B4-BE49-F238E27FC236}">
+                <a16:creationId xmlns:a16="http://schemas.microsoft.com/office/drawing/2014/main" id="{7F8B07D6-3813-3246-8B1E-FD1E820FAED2}"/>
+              </a:ext>
+            </a:extLst>
+          </p:cNvPr>
+          <p:cNvPicPr>
+            <a:picLocks noChangeAspect="1"/>
+          </p:cNvPicPr>
+          <p:nvPr/>
+        </p:nvPicPr>
+        <p:blipFill>
+          <a:blip r:embed="rId5"/>
+          <a:stretch>
+            <a:fillRect/>
+          </a:stretch>
+        </p:blipFill>
+        <p:spPr>
+          <a:xfrm>
+            <a:off x="3312872" y="5066270"/>
+            <a:ext cx="4053016" cy="1334530"/>
           </a:xfrm>
           <a:prstGeom prst="rect">
             <a:avLst/>
@@ -3696,7 +3692,7 @@
     </p:spTree>
     <p:extLst>
       <p:ext uri="{BB962C8B-B14F-4D97-AF65-F5344CB8AC3E}">
-        <p14:creationId xmlns:p14="http://schemas.microsoft.com/office/powerpoint/2010/main" val="1481765795"/>
+        <p14:creationId xmlns:p14="http://schemas.microsoft.com/office/powerpoint/2010/main" val="2056870801"/>
       </p:ext>
     </p:extLst>
   </p:cSld>
@@ -3732,7 +3728,53 @@
           <p:nvPr/>
         </p:nvPicPr>
         <p:blipFill>
-          <a:blip r:embed="rId2">
+          <a:blip r:embed="rId2"/>
+          <a:srcRect/>
+          <a:stretch/>
+        </p:blipFill>
+        <p:spPr>
+          <a:xfrm>
+            <a:off x="1665557" y="2120900"/>
+            <a:ext cx="8848185" cy="2616200"/>
+          </a:xfrm>
+          <a:prstGeom prst="rect">
+            <a:avLst/>
+          </a:prstGeom>
+        </p:spPr>
+      </p:pic>
+      <p:pic>
+        <p:nvPicPr>
+          <p:cNvPr id="3" name="Picture 2"/>
+          <p:cNvPicPr>
+            <a:picLocks noChangeAspect="1"/>
+          </p:cNvPicPr>
+          <p:nvPr/>
+        </p:nvPicPr>
+        <p:blipFill>
+          <a:blip r:embed="rId3"/>
+          <a:srcRect/>
+          <a:stretch/>
+        </p:blipFill>
+        <p:spPr>
+          <a:xfrm>
+            <a:off x="3627826" y="5191760"/>
+            <a:ext cx="4557888" cy="1079500"/>
+          </a:xfrm>
+          <a:prstGeom prst="rect">
+            <a:avLst/>
+          </a:prstGeom>
+        </p:spPr>
+      </p:pic>
+      <p:pic>
+        <p:nvPicPr>
+          <p:cNvPr id="4" name="Picture 3"/>
+          <p:cNvPicPr>
+            <a:picLocks noChangeAspect="1"/>
+          </p:cNvPicPr>
+          <p:nvPr/>
+        </p:nvPicPr>
+        <p:blipFill>
+          <a:blip r:embed="rId4">
             <a:extLst>
               <a:ext uri="{28A0092B-C50C-407E-A947-70E740481C1C}">
                 <a14:useLocalDpi xmlns:a14="http://schemas.microsoft.com/office/drawing/2010/main" val="0"/>
@@ -3745,8 +3787,8 @@
         </p:blipFill>
         <p:spPr>
           <a:xfrm>
-            <a:off x="2641600" y="2120900"/>
-            <a:ext cx="6908800" cy="2603500"/>
+            <a:off x="104140" y="101600"/>
+            <a:ext cx="4050887" cy="1852930"/>
           </a:xfrm>
           <a:prstGeom prst="rect">
             <a:avLst/>
@@ -3755,28 +3797,58 @@
       </p:pic>
       <p:pic>
         <p:nvPicPr>
-          <p:cNvPr id="3" name="Picture 2"/>
+          <p:cNvPr id="6" name="Picture 5" descr="A close up of a logo&#10;&#10;Description automatically generated">
+            <a:extLst>
+              <a:ext uri="{FF2B5EF4-FFF2-40B4-BE49-F238E27FC236}">
+                <a16:creationId xmlns:a16="http://schemas.microsoft.com/office/drawing/2014/main" id="{CAD69CE0-4A43-D648-AD9D-4293ABBE5EBD}"/>
+              </a:ext>
+            </a:extLst>
+          </p:cNvPr>
           <p:cNvPicPr>
             <a:picLocks noChangeAspect="1"/>
           </p:cNvPicPr>
           <p:nvPr/>
         </p:nvPicPr>
         <p:blipFill>
-          <a:blip r:embed="rId3">
-            <a:extLst>
-              <a:ext uri="{28A0092B-C50C-407E-A947-70E740481C1C}">
-                <a14:useLocalDpi xmlns:a14="http://schemas.microsoft.com/office/drawing/2010/main" val="0"/>
-              </a:ext>
-            </a:extLst>
-          </a:blip>
+          <a:blip r:embed="rId5"/>
           <a:stretch>
             <a:fillRect/>
           </a:stretch>
         </p:blipFill>
         <p:spPr>
           <a:xfrm>
-            <a:off x="104140" y="101600"/>
-            <a:ext cx="4050887" cy="1852930"/>
+            <a:off x="6852621" y="3429000"/>
+            <a:ext cx="3894268" cy="784654"/>
+          </a:xfrm>
+          <a:prstGeom prst="rect">
+            <a:avLst/>
+          </a:prstGeom>
+        </p:spPr>
+      </p:pic>
+      <p:pic>
+        <p:nvPicPr>
+          <p:cNvPr id="7" name="Picture 6" descr="A close up of a logo&#10;&#10;Description automatically generated">
+            <a:extLst>
+              <a:ext uri="{FF2B5EF4-FFF2-40B4-BE49-F238E27FC236}">
+                <a16:creationId xmlns:a16="http://schemas.microsoft.com/office/drawing/2014/main" id="{7F8B07D6-3813-3246-8B1E-FD1E820FAED2}"/>
+              </a:ext>
+            </a:extLst>
+          </p:cNvPr>
+          <p:cNvPicPr>
+            <a:picLocks noChangeAspect="1"/>
+          </p:cNvPicPr>
+          <p:nvPr/>
+        </p:nvPicPr>
+        <p:blipFill>
+          <a:blip r:embed="rId5"/>
+          <a:stretch>
+            <a:fillRect/>
+          </a:stretch>
+        </p:blipFill>
+        <p:spPr>
+          <a:xfrm>
+            <a:off x="3312871" y="5066270"/>
+            <a:ext cx="5324501" cy="1334530"/>
           </a:xfrm>
           <a:prstGeom prst="rect">
             <a:avLst/>
@@ -3786,7 +3858,7 @@
     </p:spTree>
     <p:extLst>
       <p:ext uri="{BB962C8B-B14F-4D97-AF65-F5344CB8AC3E}">
-        <p14:creationId xmlns:p14="http://schemas.microsoft.com/office/powerpoint/2010/main" val="1339458339"/>
+        <p14:creationId xmlns:p14="http://schemas.microsoft.com/office/powerpoint/2010/main" val="4161635169"/>
       </p:ext>
     </p:extLst>
   </p:cSld>
@@ -3822,7 +3894,53 @@
           <p:nvPr/>
         </p:nvPicPr>
         <p:blipFill>
-          <a:blip r:embed="rId2">
+          <a:blip r:embed="rId2"/>
+          <a:srcRect/>
+          <a:stretch/>
+        </p:blipFill>
+        <p:spPr>
+          <a:xfrm>
+            <a:off x="1665557" y="2120900"/>
+            <a:ext cx="8848185" cy="2616200"/>
+          </a:xfrm>
+          <a:prstGeom prst="rect">
+            <a:avLst/>
+          </a:prstGeom>
+        </p:spPr>
+      </p:pic>
+      <p:pic>
+        <p:nvPicPr>
+          <p:cNvPr id="3" name="Picture 2"/>
+          <p:cNvPicPr>
+            <a:picLocks noChangeAspect="1"/>
+          </p:cNvPicPr>
+          <p:nvPr/>
+        </p:nvPicPr>
+        <p:blipFill>
+          <a:blip r:embed="rId3"/>
+          <a:srcRect/>
+          <a:stretch/>
+        </p:blipFill>
+        <p:spPr>
+          <a:xfrm>
+            <a:off x="3627826" y="5191760"/>
+            <a:ext cx="4557888" cy="1079500"/>
+          </a:xfrm>
+          <a:prstGeom prst="rect">
+            <a:avLst/>
+          </a:prstGeom>
+        </p:spPr>
+      </p:pic>
+      <p:pic>
+        <p:nvPicPr>
+          <p:cNvPr id="4" name="Picture 3"/>
+          <p:cNvPicPr>
+            <a:picLocks noChangeAspect="1"/>
+          </p:cNvPicPr>
+          <p:nvPr/>
+        </p:nvPicPr>
+        <p:blipFill>
+          <a:blip r:embed="rId4">
             <a:extLst>
               <a:ext uri="{28A0092B-C50C-407E-A947-70E740481C1C}">
                 <a14:useLocalDpi xmlns:a14="http://schemas.microsoft.com/office/drawing/2010/main" val="0"/>
@@ -3835,8 +3953,8 @@
         </p:blipFill>
         <p:spPr>
           <a:xfrm>
-            <a:off x="2603500" y="2171700"/>
-            <a:ext cx="6985000" cy="2501900"/>
+            <a:off x="104140" y="101600"/>
+            <a:ext cx="4050887" cy="1852930"/>
           </a:xfrm>
           <a:prstGeom prst="rect">
             <a:avLst/>
@@ -3845,28 +3963,88 @@
       </p:pic>
       <p:pic>
         <p:nvPicPr>
-          <p:cNvPr id="3" name="Picture 2"/>
+          <p:cNvPr id="6" name="Picture 5" descr="A close up of a logo&#10;&#10;Description automatically generated">
+            <a:extLst>
+              <a:ext uri="{FF2B5EF4-FFF2-40B4-BE49-F238E27FC236}">
+                <a16:creationId xmlns:a16="http://schemas.microsoft.com/office/drawing/2014/main" id="{CAD69CE0-4A43-D648-AD9D-4293ABBE5EBD}"/>
+              </a:ext>
+            </a:extLst>
+          </p:cNvPr>
           <p:cNvPicPr>
             <a:picLocks noChangeAspect="1"/>
           </p:cNvPicPr>
           <p:nvPr/>
         </p:nvPicPr>
         <p:blipFill>
-          <a:blip r:embed="rId3">
-            <a:extLst>
-              <a:ext uri="{28A0092B-C50C-407E-A947-70E740481C1C}">
-                <a14:useLocalDpi xmlns:a14="http://schemas.microsoft.com/office/drawing/2010/main" val="0"/>
-              </a:ext>
-            </a:extLst>
-          </a:blip>
+          <a:blip r:embed="rId5"/>
           <a:stretch>
             <a:fillRect/>
           </a:stretch>
         </p:blipFill>
         <p:spPr>
           <a:xfrm>
-            <a:off x="104140" y="101600"/>
-            <a:ext cx="4050887" cy="1852930"/>
+            <a:off x="6852621" y="3429000"/>
+            <a:ext cx="2303736" cy="784654"/>
+          </a:xfrm>
+          <a:prstGeom prst="rect">
+            <a:avLst/>
+          </a:prstGeom>
+        </p:spPr>
+      </p:pic>
+      <p:pic>
+        <p:nvPicPr>
+          <p:cNvPr id="7" name="Picture 6" descr="A close up of a logo&#10;&#10;Description automatically generated">
+            <a:extLst>
+              <a:ext uri="{FF2B5EF4-FFF2-40B4-BE49-F238E27FC236}">
+                <a16:creationId xmlns:a16="http://schemas.microsoft.com/office/drawing/2014/main" id="{7F8B07D6-3813-3246-8B1E-FD1E820FAED2}"/>
+              </a:ext>
+            </a:extLst>
+          </p:cNvPr>
+          <p:cNvPicPr>
+            <a:picLocks noChangeAspect="1"/>
+          </p:cNvPicPr>
+          <p:nvPr/>
+        </p:nvPicPr>
+        <p:blipFill>
+          <a:blip r:embed="rId5"/>
+          <a:stretch>
+            <a:fillRect/>
+          </a:stretch>
+        </p:blipFill>
+        <p:spPr>
+          <a:xfrm>
+            <a:off x="3312871" y="5066270"/>
+            <a:ext cx="5324501" cy="1334530"/>
+          </a:xfrm>
+          <a:prstGeom prst="rect">
+            <a:avLst/>
+          </a:prstGeom>
+        </p:spPr>
+      </p:pic>
+      <p:pic>
+        <p:nvPicPr>
+          <p:cNvPr id="8" name="Picture 7" descr="A close up of a logo&#10;&#10;Description automatically generated">
+            <a:extLst>
+              <a:ext uri="{FF2B5EF4-FFF2-40B4-BE49-F238E27FC236}">
+                <a16:creationId xmlns:a16="http://schemas.microsoft.com/office/drawing/2014/main" id="{EC97B1A2-02AA-B34D-8E11-EF2BBD899A45}"/>
+              </a:ext>
+            </a:extLst>
+          </p:cNvPr>
+          <p:cNvPicPr>
+            <a:picLocks noChangeAspect="1"/>
+          </p:cNvPicPr>
+          <p:nvPr/>
+        </p:nvPicPr>
+        <p:blipFill>
+          <a:blip r:embed="rId5"/>
+          <a:stretch>
+            <a:fillRect/>
+          </a:stretch>
+        </p:blipFill>
+        <p:spPr>
+          <a:xfrm>
+            <a:off x="6635577" y="3880022"/>
+            <a:ext cx="2718487" cy="333632"/>
           </a:xfrm>
           <a:prstGeom prst="rect">
             <a:avLst/>
@@ -3876,7 +4054,7 @@
     </p:spTree>
     <p:extLst>
       <p:ext uri="{BB962C8B-B14F-4D97-AF65-F5344CB8AC3E}">
-        <p14:creationId xmlns:p14="http://schemas.microsoft.com/office/powerpoint/2010/main" val="1595232291"/>
+        <p14:creationId xmlns:p14="http://schemas.microsoft.com/office/powerpoint/2010/main" val="167700402"/>
       </p:ext>
     </p:extLst>
   </p:cSld>
@@ -3912,7 +4090,53 @@
           <p:nvPr/>
         </p:nvPicPr>
         <p:blipFill>
-          <a:blip r:embed="rId2">
+          <a:blip r:embed="rId2"/>
+          <a:srcRect/>
+          <a:stretch/>
+        </p:blipFill>
+        <p:spPr>
+          <a:xfrm>
+            <a:off x="1665557" y="2120900"/>
+            <a:ext cx="8848185" cy="2616200"/>
+          </a:xfrm>
+          <a:prstGeom prst="rect">
+            <a:avLst/>
+          </a:prstGeom>
+        </p:spPr>
+      </p:pic>
+      <p:pic>
+        <p:nvPicPr>
+          <p:cNvPr id="3" name="Picture 2"/>
+          <p:cNvPicPr>
+            <a:picLocks noChangeAspect="1"/>
+          </p:cNvPicPr>
+          <p:nvPr/>
+        </p:nvPicPr>
+        <p:blipFill>
+          <a:blip r:embed="rId3"/>
+          <a:srcRect/>
+          <a:stretch/>
+        </p:blipFill>
+        <p:spPr>
+          <a:xfrm>
+            <a:off x="3627826" y="5191760"/>
+            <a:ext cx="4557888" cy="1079500"/>
+          </a:xfrm>
+          <a:prstGeom prst="rect">
+            <a:avLst/>
+          </a:prstGeom>
+        </p:spPr>
+      </p:pic>
+      <p:pic>
+        <p:nvPicPr>
+          <p:cNvPr id="4" name="Picture 3"/>
+          <p:cNvPicPr>
+            <a:picLocks noChangeAspect="1"/>
+          </p:cNvPicPr>
+          <p:nvPr/>
+        </p:nvPicPr>
+        <p:blipFill>
+          <a:blip r:embed="rId4">
             <a:extLst>
               <a:ext uri="{28A0092B-C50C-407E-A947-70E740481C1C}">
                 <a14:useLocalDpi xmlns:a14="http://schemas.microsoft.com/office/drawing/2010/main" val="0"/>
@@ -3925,8 +4149,8 @@
         </p:blipFill>
         <p:spPr>
           <a:xfrm>
-            <a:off x="1409700" y="2120900"/>
-            <a:ext cx="9359900" cy="2616200"/>
+            <a:off x="104140" y="101600"/>
+            <a:ext cx="4050887" cy="1852930"/>
           </a:xfrm>
           <a:prstGeom prst="rect">
             <a:avLst/>
@@ -3935,28 +4159,28 @@
       </p:pic>
       <p:pic>
         <p:nvPicPr>
-          <p:cNvPr id="4" name="Picture 3"/>
+          <p:cNvPr id="7" name="Picture 6" descr="A close up of a logo&#10;&#10;Description automatically generated">
+            <a:extLst>
+              <a:ext uri="{FF2B5EF4-FFF2-40B4-BE49-F238E27FC236}">
+                <a16:creationId xmlns:a16="http://schemas.microsoft.com/office/drawing/2014/main" id="{7F8B07D6-3813-3246-8B1E-FD1E820FAED2}"/>
+              </a:ext>
+            </a:extLst>
+          </p:cNvPr>
           <p:cNvPicPr>
             <a:picLocks noChangeAspect="1"/>
           </p:cNvPicPr>
           <p:nvPr/>
         </p:nvPicPr>
         <p:blipFill>
-          <a:blip r:embed="rId3">
-            <a:extLst>
-              <a:ext uri="{28A0092B-C50C-407E-A947-70E740481C1C}">
-                <a14:useLocalDpi xmlns:a14="http://schemas.microsoft.com/office/drawing/2010/main" val="0"/>
-              </a:ext>
-            </a:extLst>
-          </a:blip>
+          <a:blip r:embed="rId5"/>
           <a:stretch>
             <a:fillRect/>
           </a:stretch>
         </p:blipFill>
         <p:spPr>
           <a:xfrm>
-            <a:off x="104140" y="101600"/>
-            <a:ext cx="4050887" cy="1852930"/>
+            <a:off x="3312871" y="5066270"/>
+            <a:ext cx="5324501" cy="1334530"/>
           </a:xfrm>
           <a:prstGeom prst="rect">
             <a:avLst/>
@@ -3966,7 +4190,7 @@
     </p:spTree>
     <p:extLst>
       <p:ext uri="{BB962C8B-B14F-4D97-AF65-F5344CB8AC3E}">
-        <p14:creationId xmlns:p14="http://schemas.microsoft.com/office/powerpoint/2010/main" val="2102974430"/>
+        <p14:creationId xmlns:p14="http://schemas.microsoft.com/office/powerpoint/2010/main" val="2763655827"/>
       </p:ext>
     </p:extLst>
   </p:cSld>
@@ -4002,21 +4226,14 @@
           <p:nvPr/>
         </p:nvPicPr>
         <p:blipFill>
-          <a:blip r:embed="rId2">
-            <a:extLst>
-              <a:ext uri="{28A0092B-C50C-407E-A947-70E740481C1C}">
-                <a14:useLocalDpi xmlns:a14="http://schemas.microsoft.com/office/drawing/2010/main" val="0"/>
-              </a:ext>
-            </a:extLst>
-          </a:blip>
-          <a:stretch>
-            <a:fillRect/>
-          </a:stretch>
+          <a:blip r:embed="rId2"/>
+          <a:srcRect/>
+          <a:stretch/>
         </p:blipFill>
         <p:spPr>
           <a:xfrm>
-            <a:off x="1409700" y="2120900"/>
-            <a:ext cx="9359900" cy="2616200"/>
+            <a:off x="1665557" y="2120900"/>
+            <a:ext cx="8848185" cy="2616200"/>
           </a:xfrm>
           <a:prstGeom prst="rect">
             <a:avLst/>
@@ -4032,21 +4249,14 @@
           <p:nvPr/>
         </p:nvPicPr>
         <p:blipFill>
-          <a:blip r:embed="rId3">
-            <a:extLst>
-              <a:ext uri="{28A0092B-C50C-407E-A947-70E740481C1C}">
-                <a14:useLocalDpi xmlns:a14="http://schemas.microsoft.com/office/drawing/2010/main" val="0"/>
-              </a:ext>
-            </a:extLst>
-          </a:blip>
-          <a:stretch>
-            <a:fillRect/>
-          </a:stretch>
+          <a:blip r:embed="rId3"/>
+          <a:srcRect/>
+          <a:stretch/>
         </p:blipFill>
         <p:spPr>
           <a:xfrm>
-            <a:off x="3614420" y="5191760"/>
-            <a:ext cx="4584700" cy="1079500"/>
+            <a:off x="3627826" y="5191760"/>
+            <a:ext cx="4557888" cy="1079500"/>
           </a:xfrm>
           <a:prstGeom prst="rect">
             <a:avLst/>
@@ -4086,7 +4296,7 @@
     </p:spTree>
     <p:extLst>
       <p:ext uri="{BB962C8B-B14F-4D97-AF65-F5344CB8AC3E}">
-        <p14:creationId xmlns:p14="http://schemas.microsoft.com/office/powerpoint/2010/main" val="23924681"/>
+        <p14:creationId xmlns:p14="http://schemas.microsoft.com/office/powerpoint/2010/main" val="285924433"/>
       </p:ext>
     </p:extLst>
   </p:cSld>
